--- a/20230530-coding/javascript-intro.pptx
+++ b/20230530-coding/javascript-intro.pptx
@@ -9,9 +9,9 @@
     <p:sldId id="279" r:id="rId3"/>
     <p:sldId id="287" r:id="rId4"/>
     <p:sldId id="280" r:id="rId5"/>
-    <p:sldId id="281" r:id="rId6"/>
-    <p:sldId id="289" r:id="rId7"/>
-    <p:sldId id="282" r:id="rId8"/>
+    <p:sldId id="282" r:id="rId6"/>
+    <p:sldId id="281" r:id="rId7"/>
+    <p:sldId id="289" r:id="rId8"/>
     <p:sldId id="288" r:id="rId9"/>
     <p:sldId id="283" r:id="rId10"/>
   </p:sldIdLst>
@@ -455,7 +455,7 @@
           <a:p>
             <a:fld id="{22301C44-7CAA-45FC-9F3E-D9A5F9BC41BE}" type="datetimeFigureOut">
               <a:rPr lang="en-CA" smtClean="0"/>
-              <a:t>2023-05-29</a:t>
+              <a:t>2023-05-30</a:t>
             </a:fld>
             <a:endParaRPr lang="en-CA"/>
           </a:p>
@@ -1543,7 +1543,7 @@
           <a:p>
             <a:fld id="{22301C44-7CAA-45FC-9F3E-D9A5F9BC41BE}" type="datetimeFigureOut">
               <a:rPr lang="en-CA" smtClean="0"/>
-              <a:t>2023-05-29</a:t>
+              <a:t>2023-05-30</a:t>
             </a:fld>
             <a:endParaRPr lang="en-CA"/>
           </a:p>
@@ -2523,7 +2523,7 @@
           <a:p>
             <a:fld id="{22301C44-7CAA-45FC-9F3E-D9A5F9BC41BE}" type="datetimeFigureOut">
               <a:rPr lang="en-CA" smtClean="0"/>
-              <a:t>2023-05-29</a:t>
+              <a:t>2023-05-30</a:t>
             </a:fld>
             <a:endParaRPr lang="en-CA"/>
           </a:p>
@@ -3677,7 +3677,7 @@
           <a:p>
             <a:fld id="{22301C44-7CAA-45FC-9F3E-D9A5F9BC41BE}" type="datetimeFigureOut">
               <a:rPr lang="en-CA" smtClean="0"/>
-              <a:t>2023-05-29</a:t>
+              <a:t>2023-05-30</a:t>
             </a:fld>
             <a:endParaRPr lang="en-CA"/>
           </a:p>
@@ -4710,7 +4710,7 @@
           <a:p>
             <a:fld id="{22301C44-7CAA-45FC-9F3E-D9A5F9BC41BE}" type="datetimeFigureOut">
               <a:rPr lang="en-CA" smtClean="0"/>
-              <a:t>2023-05-29</a:t>
+              <a:t>2023-05-30</a:t>
             </a:fld>
             <a:endParaRPr lang="en-CA"/>
           </a:p>
@@ -5370,7 +5370,7 @@
           <a:p>
             <a:fld id="{22301C44-7CAA-45FC-9F3E-D9A5F9BC41BE}" type="datetimeFigureOut">
               <a:rPr lang="en-CA" smtClean="0"/>
-              <a:t>2023-05-29</a:t>
+              <a:t>2023-05-30</a:t>
             </a:fld>
             <a:endParaRPr lang="en-CA"/>
           </a:p>
@@ -6231,7 +6231,7 @@
           <a:p>
             <a:fld id="{22301C44-7CAA-45FC-9F3E-D9A5F9BC41BE}" type="datetimeFigureOut">
               <a:rPr lang="en-CA" smtClean="0"/>
-              <a:t>2023-05-29</a:t>
+              <a:t>2023-05-30</a:t>
             </a:fld>
             <a:endParaRPr lang="en-CA"/>
           </a:p>
@@ -6421,7 +6421,7 @@
           <a:p>
             <a:fld id="{22301C44-7CAA-45FC-9F3E-D9A5F9BC41BE}" type="datetimeFigureOut">
               <a:rPr lang="en-CA" smtClean="0"/>
-              <a:t>2023-05-29</a:t>
+              <a:t>2023-05-30</a:t>
             </a:fld>
             <a:endParaRPr lang="en-CA"/>
           </a:p>
@@ -7393,7 +7393,7 @@
           <a:p>
             <a:fld id="{22301C44-7CAA-45FC-9F3E-D9A5F9BC41BE}" type="datetimeFigureOut">
               <a:rPr lang="en-CA" smtClean="0"/>
-              <a:t>2023-05-29</a:t>
+              <a:t>2023-05-30</a:t>
             </a:fld>
             <a:endParaRPr lang="en-CA"/>
           </a:p>
@@ -7604,7 +7604,7 @@
           <a:p>
             <a:fld id="{22301C44-7CAA-45FC-9F3E-D9A5F9BC41BE}" type="datetimeFigureOut">
               <a:rPr lang="en-CA" smtClean="0"/>
-              <a:t>2023-05-29</a:t>
+              <a:t>2023-05-30</a:t>
             </a:fld>
             <a:endParaRPr lang="en-CA"/>
           </a:p>
@@ -8638,7 +8638,7 @@
           <a:p>
             <a:fld id="{22301C44-7CAA-45FC-9F3E-D9A5F9BC41BE}" type="datetimeFigureOut">
               <a:rPr lang="en-CA" smtClean="0"/>
-              <a:t>2023-05-29</a:t>
+              <a:t>2023-05-30</a:t>
             </a:fld>
             <a:endParaRPr lang="en-CA"/>
           </a:p>
@@ -8910,7 +8910,7 @@
           <a:p>
             <a:fld id="{22301C44-7CAA-45FC-9F3E-D9A5F9BC41BE}" type="datetimeFigureOut">
               <a:rPr lang="en-CA" smtClean="0"/>
-              <a:t>2023-05-29</a:t>
+              <a:t>2023-05-30</a:t>
             </a:fld>
             <a:endParaRPr lang="en-CA"/>
           </a:p>
@@ -9320,7 +9320,7 @@
           <a:p>
             <a:fld id="{22301C44-7CAA-45FC-9F3E-D9A5F9BC41BE}" type="datetimeFigureOut">
               <a:rPr lang="en-CA" smtClean="0"/>
-              <a:t>2023-05-29</a:t>
+              <a:t>2023-05-30</a:t>
             </a:fld>
             <a:endParaRPr lang="en-CA"/>
           </a:p>
@@ -9447,7 +9447,7 @@
           <a:p>
             <a:fld id="{22301C44-7CAA-45FC-9F3E-D9A5F9BC41BE}" type="datetimeFigureOut">
               <a:rPr lang="en-CA" smtClean="0"/>
-              <a:t>2023-05-29</a:t>
+              <a:t>2023-05-30</a:t>
             </a:fld>
             <a:endParaRPr lang="en-CA"/>
           </a:p>
@@ -9542,7 +9542,7 @@
           <a:p>
             <a:fld id="{22301C44-7CAA-45FC-9F3E-D9A5F9BC41BE}" type="datetimeFigureOut">
               <a:rPr lang="en-CA" smtClean="0"/>
-              <a:t>2023-05-29</a:t>
+              <a:t>2023-05-30</a:t>
             </a:fld>
             <a:endParaRPr lang="en-CA"/>
           </a:p>
@@ -10623,7 +10623,7 @@
           <a:p>
             <a:fld id="{22301C44-7CAA-45FC-9F3E-D9A5F9BC41BE}" type="datetimeFigureOut">
               <a:rPr lang="en-CA" smtClean="0"/>
-              <a:t>2023-05-29</a:t>
+              <a:t>2023-05-30</a:t>
             </a:fld>
             <a:endParaRPr lang="en-CA"/>
           </a:p>
@@ -11731,7 +11731,7 @@
           <a:p>
             <a:fld id="{22301C44-7CAA-45FC-9F3E-D9A5F9BC41BE}" type="datetimeFigureOut">
               <a:rPr lang="en-CA" smtClean="0"/>
-              <a:t>2023-05-29</a:t>
+              <a:t>2023-05-30</a:t>
             </a:fld>
             <a:endParaRPr lang="en-CA"/>
           </a:p>
@@ -12728,7 +12728,7 @@
           <a:p>
             <a:fld id="{22301C44-7CAA-45FC-9F3E-D9A5F9BC41BE}" type="datetimeFigureOut">
               <a:rPr lang="en-CA" smtClean="0"/>
-              <a:t>2023-05-29</a:t>
+              <a:t>2023-05-30</a:t>
             </a:fld>
             <a:endParaRPr lang="en-CA"/>
           </a:p>
@@ -13988,11 +13988,7 @@
           <a:p>
             <a:r>
               <a:rPr lang="en-CA" sz="2400" dirty="0"/>
-              <a:t>These are </a:t>
-            </a:r>
-            <a:r>
-              <a:rPr lang="en-CA" sz="2400"/>
-              <a:t>the six </a:t>
+              <a:t>These are the six </a:t>
             </a:r>
             <a:r>
               <a:rPr lang="en-CA" sz="2400" dirty="0">
@@ -14114,14 +14110,10 @@
             </a:r>
             <a:r>
               <a:rPr lang="en-CA" sz="2400" dirty="0"/>
-              <a:t> </a:t>
-            </a:r>
-            <a:r>
-              <a:rPr lang="en-CA" sz="2400"/>
-              <a:t>= </a:t>
-            </a:r>
-            <a:r>
-              <a:rPr lang="en-CA" sz="2400">
+              <a:t> = </a:t>
+            </a:r>
+            <a:r>
+              <a:rPr lang="en-CA" sz="2400" dirty="0">
                 <a:solidFill>
                   <a:srgbClr val="0070C0"/>
                 </a:solidFill>
@@ -14198,26 +14190,16 @@
                   </a:schemeClr>
                 </a:solidFill>
               </a:rPr>
-              <a:t> – true </a:t>
-            </a:r>
-            <a:r>
-              <a:rPr lang="en-CA" sz="2400">
-                <a:solidFill>
-                  <a:schemeClr val="bg2">
-                    <a:lumMod val="50000"/>
-                  </a:schemeClr>
-                </a:solidFill>
-              </a:rPr>
-              <a:t>or false</a:t>
-            </a:r>
-          </a:p>
-          <a:p>
-            <a:r>
-              <a:rPr lang="en-CA" sz="2400"/>
+              <a:t> – true or false</a:t>
+            </a:r>
+          </a:p>
+          <a:p>
+            <a:r>
+              <a:rPr lang="en-CA" sz="2400" dirty="0"/>
               <a:t>var </a:t>
             </a:r>
             <a:r>
-              <a:rPr lang="en-CA" sz="2400">
+              <a:rPr lang="en-CA" sz="2400" dirty="0">
                 <a:solidFill>
                   <a:schemeClr val="accent6">
                     <a:lumMod val="75000"/>
@@ -14227,11 +14209,11 @@
               <a:t>variable5</a:t>
             </a:r>
             <a:r>
-              <a:rPr lang="en-CA" sz="2400"/>
+              <a:rPr lang="en-CA" sz="2400" dirty="0"/>
               <a:t> = </a:t>
             </a:r>
             <a:r>
-              <a:rPr lang="en-CA" sz="2400">
+              <a:rPr lang="en-CA" sz="2400" dirty="0">
                 <a:solidFill>
                   <a:srgbClr val="0070C0"/>
                 </a:solidFill>
@@ -14239,11 +14221,11 @@
               <a:t>null</a:t>
             </a:r>
             <a:r>
-              <a:rPr lang="en-CA" sz="2400"/>
+              <a:rPr lang="en-CA" sz="2400" dirty="0"/>
               <a:t>; </a:t>
             </a:r>
             <a:r>
-              <a:rPr lang="en-CA" sz="2400">
+              <a:rPr lang="en-CA" sz="2400" dirty="0">
                 <a:solidFill>
                   <a:schemeClr val="bg2">
                     <a:lumMod val="50000"/>
@@ -14254,15 +14236,15 @@
             </a:r>
           </a:p>
           <a:p>
-            <a:endParaRPr lang="en-CA" sz="2400"/>
-          </a:p>
-          <a:p>
-            <a:r>
-              <a:rPr lang="en-CA" sz="2400"/>
+            <a:endParaRPr lang="en-CA" sz="2400" dirty="0"/>
+          </a:p>
+          <a:p>
+            <a:r>
+              <a:rPr lang="en-CA" sz="2400" dirty="0"/>
               <a:t>And a variable can be </a:t>
             </a:r>
             <a:r>
-              <a:rPr lang="en-CA" sz="2400">
+              <a:rPr lang="en-CA" sz="2400" dirty="0">
                 <a:solidFill>
                   <a:srgbClr val="0070C0"/>
                 </a:solidFill>
@@ -14270,10 +14252,10 @@
               <a:t>undefined</a:t>
             </a:r>
             <a:r>
-              <a:rPr lang="en-CA" sz="2400"/>
+              <a:rPr lang="en-CA" sz="2400" dirty="0"/>
               <a:t>, which happens when it was never declared</a:t>
             </a:r>
-            <a:endParaRPr lang="en-CA" sz="2400">
+            <a:endParaRPr lang="en-CA" sz="2400" dirty="0">
               <a:solidFill>
                 <a:schemeClr val="bg2">
                   <a:lumMod val="50000"/>
@@ -14380,11 +14362,11 @@
           <a:lstStyle/>
           <a:p>
             <a:r>
-              <a:rPr lang="en-CA" sz="2400"/>
+              <a:rPr lang="en-CA" sz="2400" dirty="0"/>
               <a:t>You can perform </a:t>
             </a:r>
             <a:r>
-              <a:rPr lang="en-CA" sz="2400">
+              <a:rPr lang="en-CA" sz="2400" dirty="0">
                 <a:solidFill>
                   <a:schemeClr val="accent6">
                     <a:lumMod val="75000"/>
@@ -14394,17 +14376,16 @@
               <a:t>basic arithmetic </a:t>
             </a:r>
             <a:r>
-              <a:rPr lang="en-CA" sz="2400"/>
+              <a:rPr lang="en-CA" sz="2400" dirty="0"/>
               <a:t>with the following operators:</a:t>
             </a:r>
+          </a:p>
+          <a:p>
             <a:endParaRPr lang="en-CA" sz="2400" dirty="0"/>
           </a:p>
           <a:p>
-            <a:endParaRPr lang="en-CA" sz="2400"/>
-          </a:p>
-          <a:p>
-            <a:r>
-              <a:rPr lang="en-CA" sz="2400">
+            <a:r>
+              <a:rPr lang="en-CA" sz="2400" dirty="0">
                 <a:solidFill>
                   <a:schemeClr val="accent6">
                     <a:lumMod val="75000"/>
@@ -14414,11 +14395,11 @@
               <a:t>+</a:t>
             </a:r>
             <a:r>
-              <a:rPr lang="en-CA" sz="2400"/>
+              <a:rPr lang="en-CA" sz="2400" dirty="0"/>
               <a:t> </a:t>
             </a:r>
             <a:r>
-              <a:rPr lang="en-CA" sz="2400">
+              <a:rPr lang="en-CA" sz="2400" dirty="0">
                 <a:sym typeface="Wingdings" panose="05000000000000000000" pitchFamily="2" charset="2"/>
               </a:rPr>
               <a:t>adding numbers or joining strings</a:t>
@@ -14426,7 +14407,7 @@
           </a:p>
           <a:p>
             <a:r>
-              <a:rPr lang="en-CA" sz="2400">
+              <a:rPr lang="en-CA" sz="2400" dirty="0">
                 <a:solidFill>
                   <a:schemeClr val="accent6">
                     <a:lumMod val="75000"/>
@@ -14437,16 +14418,16 @@
               <a:t>-</a:t>
             </a:r>
             <a:r>
-              <a:rPr lang="en-CA" sz="2400">
+              <a:rPr lang="en-CA" sz="2400" dirty="0">
                 <a:sym typeface="Wingdings" panose="05000000000000000000" pitchFamily="2" charset="2"/>
               </a:rPr>
               <a:t> subtracting numbers</a:t>
             </a:r>
-            <a:endParaRPr lang="en-CA" sz="2400"/>
-          </a:p>
-          <a:p>
-            <a:r>
-              <a:rPr lang="en-CA" sz="2400">
+            <a:endParaRPr lang="en-CA" sz="2400" dirty="0"/>
+          </a:p>
+          <a:p>
+            <a:r>
+              <a:rPr lang="en-CA" sz="2400" dirty="0">
                 <a:solidFill>
                   <a:schemeClr val="accent6">
                     <a:lumMod val="75000"/>
@@ -14456,11 +14437,11 @@
               <a:t>*</a:t>
             </a:r>
             <a:r>
-              <a:rPr lang="en-CA" sz="2400"/>
+              <a:rPr lang="en-CA" sz="2400" dirty="0"/>
               <a:t> </a:t>
             </a:r>
             <a:r>
-              <a:rPr lang="en-CA" sz="2400">
+              <a:rPr lang="en-CA" sz="2400" dirty="0">
                 <a:sym typeface="Wingdings" panose="05000000000000000000" pitchFamily="2" charset="2"/>
               </a:rPr>
               <a:t> multiply numbers</a:t>
@@ -14468,7 +14449,7 @@
           </a:p>
           <a:p>
             <a:r>
-              <a:rPr lang="en-CA" sz="2400">
+              <a:rPr lang="en-CA" sz="2400" dirty="0">
                 <a:solidFill>
                   <a:schemeClr val="accent6">
                     <a:lumMod val="75000"/>
@@ -14479,7 +14460,7 @@
               <a:t>/</a:t>
             </a:r>
             <a:r>
-              <a:rPr lang="en-CA" sz="2400">
+              <a:rPr lang="en-CA" sz="2400" dirty="0">
                 <a:sym typeface="Wingdings" panose="05000000000000000000" pitchFamily="2" charset="2"/>
               </a:rPr>
               <a:t> dividing numbers</a:t>
@@ -14487,7 +14468,7 @@
           </a:p>
           <a:p>
             <a:r>
-              <a:rPr lang="en-CA" sz="2400">
+              <a:rPr lang="en-CA" sz="2400" dirty="0">
                 <a:solidFill>
                   <a:schemeClr val="accent6">
                     <a:lumMod val="75000"/>
@@ -14498,7 +14479,7 @@
               <a:t>%</a:t>
             </a:r>
             <a:r>
-              <a:rPr lang="en-CA" sz="2400">
+              <a:rPr lang="en-CA" sz="2400" dirty="0">
                 <a:sym typeface="Wingdings" panose="05000000000000000000" pitchFamily="2" charset="2"/>
               </a:rPr>
               <a:t>  modulus of two numbers (get the remainder)</a:t>
@@ -14536,7 +14517,7 @@
           <a:lstStyle/>
           <a:p>
             <a:r>
-              <a:rPr lang="en-CA" sz="2400">
+              <a:rPr lang="en-CA" sz="2400" dirty="0">
                 <a:solidFill>
                   <a:schemeClr val="accent4">
                     <a:lumMod val="75000"/>
@@ -14545,13 +14526,6 @@
               </a:rPr>
               <a:t>Exercise – What is the remainder of (20 x 5 - 18) ÷ 3?</a:t>
             </a:r>
-            <a:endParaRPr lang="en-CA" sz="2400" dirty="0">
-              <a:solidFill>
-                <a:schemeClr val="accent4">
-                  <a:lumMod val="75000"/>
-                </a:schemeClr>
-              </a:solidFill>
-            </a:endParaRPr>
           </a:p>
         </p:txBody>
       </p:sp>
@@ -14895,7 +14869,7 @@
           <a:p>
             <a:r>
               <a:rPr lang="en-CA" dirty="0"/>
-              <a:t>If Statements</a:t>
+              <a:t>Loops</a:t>
             </a:r>
           </a:p>
         </p:txBody>
@@ -14930,7 +14904,35 @@
           <a:p>
             <a:r>
               <a:rPr lang="en-CA" sz="2400" dirty="0"/>
-              <a:t>If statements will execute different sets of code based on specific conditions.  Here are 4 ways to use them:</a:t>
+              <a:t>Loops give developers a way to repeat a sets of code.  The two popular loops are </a:t>
+            </a:r>
+            <a:r>
+              <a:rPr lang="en-CA" sz="2400" dirty="0">
+                <a:solidFill>
+                  <a:schemeClr val="accent6">
+                    <a:lumMod val="75000"/>
+                  </a:schemeClr>
+                </a:solidFill>
+              </a:rPr>
+              <a:t>while loops </a:t>
+            </a:r>
+            <a:r>
+              <a:rPr lang="en-CA" sz="2400" dirty="0"/>
+              <a:t>and </a:t>
+            </a:r>
+            <a:r>
+              <a:rPr lang="en-CA" sz="2400" dirty="0">
+                <a:solidFill>
+                  <a:schemeClr val="accent6">
+                    <a:lumMod val="75000"/>
+                  </a:schemeClr>
+                </a:solidFill>
+              </a:rPr>
+              <a:t>for loops</a:t>
+            </a:r>
+            <a:r>
+              <a:rPr lang="en-CA" sz="2400" dirty="0"/>
+              <a:t>.</a:t>
             </a:r>
           </a:p>
         </p:txBody>
@@ -14949,8 +14951,8 @@
         </p:nvSpPr>
         <p:spPr>
           <a:xfrm>
-            <a:off x="1184137" y="3428778"/>
-            <a:ext cx="2761033" cy="1015663"/>
+            <a:off x="964660" y="4061075"/>
+            <a:ext cx="4681643" cy="2308324"/>
           </a:xfrm>
           <a:prstGeom prst="rect">
             <a:avLst/>
@@ -14966,44 +14968,100 @@
           <a:lstStyle/>
           <a:p>
             <a:r>
-              <a:rPr lang="en-CA" sz="1200" dirty="0"/>
-              <a:t>if(</a:t>
-            </a:r>
-            <a:r>
-              <a:rPr lang="en-CA" sz="1200" dirty="0" err="1"/>
-              <a:t>some_integer</a:t>
-            </a:r>
-            <a:r>
-              <a:rPr lang="en-CA" sz="1200" dirty="0"/>
-              <a:t> &gt;= 9)</a:t>
-            </a:r>
-          </a:p>
-          <a:p>
-            <a:r>
-              <a:rPr lang="en-CA" sz="1200" dirty="0"/>
+              <a:rPr lang="en-CA" sz="1600" dirty="0"/>
+              <a:t>var arr1 = [</a:t>
+            </a:r>
+            <a:r>
+              <a:rPr lang="en-CA" sz="1600"/>
+              <a:t>34,43.23,"Hello World",</a:t>
+            </a:r>
+            <a:r>
+              <a:rPr lang="en-CA" sz="1600" dirty="0" err="1"/>
+              <a:t>false</a:t>
+            </a:r>
+            <a:r>
+              <a:rPr lang="en-CA" sz="1600" dirty="0"/>
+              <a:t>];</a:t>
+            </a:r>
+          </a:p>
+          <a:p>
+            <a:r>
+              <a:rPr lang="en-CA" sz="1600" dirty="0"/>
+              <a:t>var </a:t>
+            </a:r>
+            <a:r>
+              <a:rPr lang="en-CA" sz="1600" dirty="0" err="1"/>
+              <a:t>cnt</a:t>
+            </a:r>
+            <a:r>
+              <a:rPr lang="en-CA" sz="1600" dirty="0"/>
+              <a:t> = 0;</a:t>
+            </a:r>
+          </a:p>
+          <a:p>
+            <a:endParaRPr lang="en-CA" sz="1600" dirty="0"/>
+          </a:p>
+          <a:p>
+            <a:r>
+              <a:rPr lang="en-CA" sz="1600" b="1" dirty="0"/>
+              <a:t>while</a:t>
+            </a:r>
+            <a:r>
+              <a:rPr lang="en-CA" sz="1600" dirty="0"/>
+              <a:t>(</a:t>
+            </a:r>
+            <a:r>
+              <a:rPr lang="en-CA" sz="1600" dirty="0" err="1"/>
+              <a:t>cnt</a:t>
+            </a:r>
+            <a:r>
+              <a:rPr lang="en-CA" sz="1600" dirty="0"/>
+              <a:t>&lt;arr1.length)</a:t>
+            </a:r>
+          </a:p>
+          <a:p>
+            <a:r>
+              <a:rPr lang="en-CA" sz="1600" dirty="0"/>
               <a:t>{</a:t>
             </a:r>
           </a:p>
           <a:p>
             <a:r>
-              <a:rPr lang="en-CA" sz="1200" dirty="0"/>
+              <a:rPr lang="en-CA" sz="1600" dirty="0"/>
+              <a:t>  console.log(arr1[</a:t>
+            </a:r>
+            <a:r>
+              <a:rPr lang="en-CA" sz="1600" dirty="0" err="1"/>
+              <a:t>cnt</a:t>
+            </a:r>
+            <a:r>
+              <a:rPr lang="en-CA" sz="1600" dirty="0"/>
+              <a:t>]);</a:t>
+            </a:r>
+          </a:p>
+          <a:p>
+            <a:r>
+              <a:rPr lang="en-CA" sz="1600" dirty="0"/>
               <a:t>  </a:t>
             </a:r>
             <a:r>
-              <a:rPr lang="en-CA" sz="1200"/>
-              <a:t>alert("Hello!");</a:t>
-            </a:r>
-            <a:endParaRPr lang="en-CA" sz="1200" dirty="0"/>
-          </a:p>
-          <a:p>
-            <a:r>
-              <a:rPr lang="en-CA" sz="1200" dirty="0"/>
+              <a:rPr lang="en-CA" sz="1600" dirty="0" err="1"/>
+              <a:t>cnt</a:t>
+            </a:r>
+            <a:r>
+              <a:rPr lang="en-CA" sz="1600" dirty="0"/>
+              <a:t>=cnt+1;</a:t>
+            </a:r>
+          </a:p>
+          <a:p>
+            <a:r>
+              <a:rPr lang="en-CA" sz="1600" dirty="0"/>
               <a:t>}</a:t>
             </a:r>
           </a:p>
           <a:p>
             <a:r>
-              <a:rPr lang="en-CA" sz="1200" dirty="0"/>
+              <a:rPr lang="en-CA" sz="1600" dirty="0"/>
               <a:t>// … run other code</a:t>
             </a:r>
           </a:p>
@@ -15011,10 +15069,10 @@
       </p:sp>
       <p:sp>
         <p:nvSpPr>
-          <p:cNvPr id="6" name="TextBox 5">
+          <p:cNvPr id="9" name="TextBox 8">
             <a:extLst>
               <a:ext uri="{FF2B5EF4-FFF2-40B4-BE49-F238E27FC236}">
-                <a16:creationId xmlns:a16="http://schemas.microsoft.com/office/drawing/2014/main" id="{DE797519-51FE-44AC-8196-F0CFECE06A45}"/>
+                <a16:creationId xmlns:a16="http://schemas.microsoft.com/office/drawing/2014/main" id="{39679FA3-BF82-492E-8DDB-818780CBBD78}"/>
               </a:ext>
             </a:extLst>
           </p:cNvPr>
@@ -15023,8 +15081,8 @@
         </p:nvSpPr>
         <p:spPr>
           <a:xfrm>
-            <a:off x="1184136" y="4675495"/>
-            <a:ext cx="2761033" cy="1754326"/>
+            <a:off x="5983132" y="4061075"/>
+            <a:ext cx="4863208" cy="1815882"/>
           </a:xfrm>
           <a:prstGeom prst="rect">
             <a:avLst/>
@@ -15040,73 +15098,88 @@
           <a:lstStyle/>
           <a:p>
             <a:r>
-              <a:rPr lang="en-CA" sz="1200" dirty="0"/>
-              <a:t>if(</a:t>
-            </a:r>
-            <a:r>
-              <a:rPr lang="en-CA" sz="1200" dirty="0" err="1"/>
-              <a:t>some_integer</a:t>
-            </a:r>
-            <a:r>
-              <a:rPr lang="en-CA" sz="1200" dirty="0"/>
-              <a:t> &gt;= 9)</a:t>
-            </a:r>
-          </a:p>
-          <a:p>
-            <a:r>
-              <a:rPr lang="en-CA" sz="1200" dirty="0"/>
+              <a:rPr lang="en-CA" sz="1600" dirty="0"/>
+              <a:t>var arr1 = [</a:t>
+            </a:r>
+            <a:r>
+              <a:rPr lang="en-CA" sz="1600"/>
+              <a:t>34,43.23,"Hello World",</a:t>
+            </a:r>
+            <a:r>
+              <a:rPr lang="en-CA" sz="1600" dirty="0" err="1"/>
+              <a:t>false</a:t>
+            </a:r>
+            <a:r>
+              <a:rPr lang="en-CA" sz="1600" dirty="0"/>
+              <a:t>];</a:t>
+            </a:r>
+          </a:p>
+          <a:p>
+            <a:endParaRPr lang="en-CA" sz="1600" dirty="0"/>
+          </a:p>
+          <a:p>
+            <a:r>
+              <a:rPr lang="en-CA" sz="1600" b="1" dirty="0"/>
+              <a:t>for</a:t>
+            </a:r>
+            <a:r>
+              <a:rPr lang="en-CA" sz="1600" dirty="0"/>
+              <a:t>(var </a:t>
+            </a:r>
+            <a:r>
+              <a:rPr lang="en-CA" sz="1600" dirty="0" err="1"/>
+              <a:t>cnt</a:t>
+            </a:r>
+            <a:r>
+              <a:rPr lang="en-CA" sz="1600" dirty="0"/>
+              <a:t>=0; </a:t>
+            </a:r>
+            <a:r>
+              <a:rPr lang="en-CA" sz="1600" dirty="0" err="1"/>
+              <a:t>cnt</a:t>
+            </a:r>
+            <a:r>
+              <a:rPr lang="en-CA" sz="1600" dirty="0"/>
+              <a:t>&lt;arr1.length; </a:t>
+            </a:r>
+            <a:r>
+              <a:rPr lang="en-CA" sz="1600" dirty="0" err="1"/>
+              <a:t>cnt</a:t>
+            </a:r>
+            <a:r>
+              <a:rPr lang="en-CA" sz="1600" dirty="0"/>
+              <a:t>++)</a:t>
+            </a:r>
+          </a:p>
+          <a:p>
+            <a:r>
+              <a:rPr lang="en-CA" sz="1600" dirty="0"/>
               <a:t>{</a:t>
             </a:r>
           </a:p>
           <a:p>
             <a:r>
-              <a:rPr lang="en-CA" sz="1200" dirty="0"/>
-              <a:t>  </a:t>
-            </a:r>
-            <a:r>
-              <a:rPr lang="en-CA" sz="1200"/>
-              <a:t>alert("Hello!");</a:t>
-            </a:r>
-            <a:endParaRPr lang="en-CA" sz="1200" dirty="0"/>
-          </a:p>
-          <a:p>
-            <a:r>
-              <a:rPr lang="en-CA" sz="1200" dirty="0"/>
+              <a:rPr lang="en-CA" sz="1600" dirty="0"/>
+              <a:t>  console.log(arr1[</a:t>
+            </a:r>
+            <a:r>
+              <a:rPr lang="en-CA" sz="1600" dirty="0" err="1"/>
+              <a:t>cnt</a:t>
+            </a:r>
+            <a:r>
+              <a:rPr lang="en-CA" sz="1600" dirty="0"/>
+              <a:t>]);</a:t>
+            </a:r>
+          </a:p>
+          <a:p>
+            <a:r>
+              <a:rPr lang="en-CA" sz="1600" dirty="0"/>
               <a:t>}</a:t>
             </a:r>
           </a:p>
           <a:p>
             <a:r>
-              <a:rPr lang="en-CA" sz="1200" dirty="0"/>
-              <a:t>else</a:t>
-            </a:r>
-          </a:p>
-          <a:p>
-            <a:r>
-              <a:rPr lang="en-CA" sz="1200" dirty="0"/>
-              <a:t>{</a:t>
-            </a:r>
-          </a:p>
-          <a:p>
-            <a:r>
-              <a:rPr lang="en-CA" sz="1200" dirty="0"/>
-              <a:t>  </a:t>
-            </a:r>
-            <a:r>
-              <a:rPr lang="en-CA" sz="1200"/>
-              <a:t>alert("World!");</a:t>
-            </a:r>
-            <a:endParaRPr lang="en-CA" sz="1200" dirty="0"/>
-          </a:p>
-          <a:p>
-            <a:r>
-              <a:rPr lang="en-CA" sz="1200" dirty="0"/>
-              <a:t>}</a:t>
-            </a:r>
-          </a:p>
-          <a:p>
-            <a:r>
-              <a:rPr lang="en-CA" sz="1200" dirty="0"/>
+              <a:rPr lang="en-CA" sz="1600" dirty="0"/>
               <a:t>// … run other code</a:t>
             </a:r>
           </a:p>
@@ -15114,10 +15187,10 @@
       </p:sp>
       <p:sp>
         <p:nvSpPr>
-          <p:cNvPr id="7" name="TextBox 6">
+          <p:cNvPr id="10" name="TextBox 9">
             <a:extLst>
               <a:ext uri="{FF2B5EF4-FFF2-40B4-BE49-F238E27FC236}">
-                <a16:creationId xmlns:a16="http://schemas.microsoft.com/office/drawing/2014/main" id="{852F4E4A-4260-4B13-BD0B-C357CCB6724F}"/>
+                <a16:creationId xmlns:a16="http://schemas.microsoft.com/office/drawing/2014/main" id="{CD91FC31-9E9C-4BDF-A419-A271D67ED66C}"/>
               </a:ext>
             </a:extLst>
           </p:cNvPr>
@@ -15126,15 +15199,13 @@
         </p:nvSpPr>
         <p:spPr>
           <a:xfrm>
-            <a:off x="7403993" y="3429000"/>
-            <a:ext cx="2761033" cy="2492990"/>
+            <a:off x="964660" y="3529067"/>
+            <a:ext cx="2180616" cy="461665"/>
           </a:xfrm>
           <a:prstGeom prst="rect">
             <a:avLst/>
           </a:prstGeom>
-          <a:solidFill>
-            <a:schemeClr val="bg2"/>
-          </a:solidFill>
+          <a:noFill/>
         </p:spPr>
         <p:txBody>
           <a:bodyPr wrap="square" rtlCol="0">
@@ -15143,121 +15214,22 @@
           <a:lstStyle/>
           <a:p>
             <a:r>
-              <a:rPr lang="en-CA" sz="1200" dirty="0"/>
-              <a:t>if(</a:t>
-            </a:r>
-            <a:r>
-              <a:rPr lang="en-CA" sz="1200" dirty="0" err="1"/>
-              <a:t>some_integer</a:t>
-            </a:r>
-            <a:r>
-              <a:rPr lang="en-CA" sz="1200" dirty="0"/>
-              <a:t> &gt;= 9)</a:t>
-            </a:r>
-          </a:p>
-          <a:p>
-            <a:r>
-              <a:rPr lang="en-CA" sz="1200" dirty="0"/>
-              <a:t>{</a:t>
-            </a:r>
-          </a:p>
-          <a:p>
-            <a:r>
-              <a:rPr lang="en-CA" sz="1200" dirty="0"/>
-              <a:t>  </a:t>
-            </a:r>
-            <a:r>
-              <a:rPr lang="en-CA" sz="1200"/>
-              <a:t>alert("Hello!");</a:t>
-            </a:r>
-            <a:endParaRPr lang="en-CA" sz="1200" dirty="0"/>
-          </a:p>
-          <a:p>
-            <a:r>
-              <a:rPr lang="en-CA" sz="1200" dirty="0"/>
-              <a:t>}</a:t>
-            </a:r>
-          </a:p>
-          <a:p>
-            <a:r>
-              <a:rPr lang="en-CA" sz="1200" dirty="0"/>
-              <a:t>else if(</a:t>
-            </a:r>
-            <a:r>
-              <a:rPr lang="en-CA" sz="1200" dirty="0" err="1"/>
-              <a:t>some_integer</a:t>
-            </a:r>
-            <a:r>
-              <a:rPr lang="en-CA" sz="1200" dirty="0"/>
-              <a:t> &gt;= 5)</a:t>
-            </a:r>
-          </a:p>
-          <a:p>
-            <a:r>
-              <a:rPr lang="en-CA" sz="1200" dirty="0"/>
-              <a:t>{</a:t>
-            </a:r>
-          </a:p>
-          <a:p>
-            <a:r>
-              <a:rPr lang="en-CA" sz="1200" dirty="0"/>
-              <a:t>  </a:t>
-            </a:r>
-            <a:r>
-              <a:rPr lang="en-CA" sz="1200"/>
-              <a:t>alert("World!");</a:t>
-            </a:r>
-            <a:endParaRPr lang="en-CA" sz="1200" dirty="0"/>
-          </a:p>
-          <a:p>
-            <a:r>
-              <a:rPr lang="en-CA" sz="1200" dirty="0"/>
-              <a:t>}</a:t>
-            </a:r>
-          </a:p>
-          <a:p>
-            <a:r>
-              <a:rPr lang="en-CA" sz="1200" dirty="0"/>
-              <a:t>else</a:t>
-            </a:r>
-          </a:p>
-          <a:p>
-            <a:r>
-              <a:rPr lang="en-CA" sz="1200" dirty="0"/>
-              <a:t>{</a:t>
-            </a:r>
-          </a:p>
-          <a:p>
-            <a:r>
-              <a:rPr lang="en-CA" sz="1200" dirty="0"/>
-              <a:t>  </a:t>
-            </a:r>
-            <a:r>
-              <a:rPr lang="en-CA" sz="1200"/>
-              <a:t>alert("Default condition");</a:t>
-            </a:r>
-            <a:endParaRPr lang="en-CA" sz="1200" dirty="0"/>
-          </a:p>
-          <a:p>
-            <a:r>
-              <a:rPr lang="en-CA" sz="1200" dirty="0"/>
-              <a:t>}</a:t>
-            </a:r>
-          </a:p>
-          <a:p>
-            <a:r>
-              <a:rPr lang="en-CA" sz="1200" dirty="0"/>
-              <a:t>// … run other code</a:t>
+              <a:rPr lang="en-CA" sz="2400" dirty="0">
+                <a:solidFill>
+                  <a:srgbClr val="0070C0"/>
+                </a:solidFill>
+              </a:rPr>
+              <a:t>While Loop</a:t>
             </a:r>
           </a:p>
         </p:txBody>
       </p:sp>
       <p:sp>
         <p:nvSpPr>
-          <p:cNvPr id="8" name="TextBox 7">
+          <p:cNvPr id="11" name="TextBox 10">
             <a:extLst>
               <a:ext uri="{FF2B5EF4-FFF2-40B4-BE49-F238E27FC236}">
-                <a16:creationId xmlns:a16="http://schemas.microsoft.com/office/drawing/2014/main" id="{15C912E5-739E-431A-9263-0447554FC458}"/>
+                <a16:creationId xmlns:a16="http://schemas.microsoft.com/office/drawing/2014/main" id="{B20F911A-85A6-4D64-B6D8-AF2B16E93C61}"/>
               </a:ext>
             </a:extLst>
           </p:cNvPr>
@@ -15266,15 +15238,13 @@
         </p:nvSpPr>
         <p:spPr>
           <a:xfrm>
-            <a:off x="4294064" y="3429000"/>
-            <a:ext cx="2761033" cy="1754326"/>
+            <a:off x="5983132" y="3529067"/>
+            <a:ext cx="2180616" cy="461665"/>
           </a:xfrm>
           <a:prstGeom prst="rect">
             <a:avLst/>
           </a:prstGeom>
-          <a:solidFill>
-            <a:schemeClr val="bg2"/>
-          </a:solidFill>
+          <a:noFill/>
         </p:spPr>
         <p:txBody>
           <a:bodyPr wrap="square" rtlCol="0">
@@ -15283,82 +15253,12 @@
           <a:lstStyle/>
           <a:p>
             <a:r>
-              <a:rPr lang="en-CA" sz="1200" dirty="0"/>
-              <a:t>if(</a:t>
-            </a:r>
-            <a:r>
-              <a:rPr lang="en-CA" sz="1200" dirty="0" err="1"/>
-              <a:t>some_integer</a:t>
-            </a:r>
-            <a:r>
-              <a:rPr lang="en-CA" sz="1200" dirty="0"/>
-              <a:t> &gt;= 9)</a:t>
-            </a:r>
-          </a:p>
-          <a:p>
-            <a:r>
-              <a:rPr lang="en-CA" sz="1200" dirty="0"/>
-              <a:t>{</a:t>
-            </a:r>
-          </a:p>
-          <a:p>
-            <a:r>
-              <a:rPr lang="en-CA" sz="1200" dirty="0"/>
-              <a:t>  </a:t>
-            </a:r>
-            <a:r>
-              <a:rPr lang="en-CA" sz="1200"/>
-              <a:t>alert("Hello!");</a:t>
-            </a:r>
-            <a:endParaRPr lang="en-CA" sz="1200" dirty="0"/>
-          </a:p>
-          <a:p>
-            <a:r>
-              <a:rPr lang="en-CA" sz="1200" dirty="0"/>
-              <a:t>}</a:t>
-            </a:r>
-          </a:p>
-          <a:p>
-            <a:r>
-              <a:rPr lang="en-CA" sz="1200" dirty="0"/>
-              <a:t>else if(</a:t>
-            </a:r>
-            <a:r>
-              <a:rPr lang="en-CA" sz="1200" dirty="0" err="1"/>
-              <a:t>some_integer</a:t>
-            </a:r>
-            <a:r>
-              <a:rPr lang="en-CA" sz="1200" dirty="0"/>
-              <a:t> &gt;= 5)</a:t>
-            </a:r>
-          </a:p>
-          <a:p>
-            <a:r>
-              <a:rPr lang="en-CA" sz="1200" dirty="0"/>
-              <a:t>{</a:t>
-            </a:r>
-          </a:p>
-          <a:p>
-            <a:r>
-              <a:rPr lang="en-CA" sz="1200" dirty="0"/>
-              <a:t>  </a:t>
-            </a:r>
-            <a:r>
-              <a:rPr lang="en-CA" sz="1200"/>
-              <a:t>alert("World!");</a:t>
-            </a:r>
-            <a:endParaRPr lang="en-CA" sz="1200" dirty="0"/>
-          </a:p>
-          <a:p>
-            <a:r>
-              <a:rPr lang="en-CA" sz="1200" dirty="0"/>
-              <a:t>}</a:t>
-            </a:r>
-          </a:p>
-          <a:p>
-            <a:r>
-              <a:rPr lang="en-CA" sz="1200" dirty="0"/>
-              <a:t>// … run other code</a:t>
+              <a:rPr lang="en-CA" sz="2400" dirty="0">
+                <a:solidFill>
+                  <a:srgbClr val="0070C0"/>
+                </a:solidFill>
+              </a:rPr>
+              <a:t>For Loop</a:t>
             </a:r>
           </a:p>
         </p:txBody>
@@ -15366,7 +15266,7 @@
     </p:spTree>
     <p:extLst>
       <p:ext uri="{BB962C8B-B14F-4D97-AF65-F5344CB8AC3E}">
-        <p14:creationId xmlns:p14="http://schemas.microsoft.com/office/powerpoint/2010/main" val="3836053484"/>
+        <p14:creationId xmlns:p14="http://schemas.microsoft.com/office/powerpoint/2010/main" val="3972929639"/>
       </p:ext>
     </p:extLst>
   </p:cSld>
@@ -15415,10 +15315,9 @@
           <a:lstStyle/>
           <a:p>
             <a:r>
-              <a:rPr lang="en-CA"/>
-              <a:t>Relational Operators</a:t>
-            </a:r>
-            <a:endParaRPr lang="en-CA" dirty="0"/>
+              <a:rPr lang="en-CA" dirty="0"/>
+              <a:t>If Statements</a:t>
+            </a:r>
           </a:p>
         </p:txBody>
       </p:sp>
@@ -15436,8 +15335,8 @@
         </p:nvSpPr>
         <p:spPr>
           <a:xfrm>
-            <a:off x="924129" y="2720418"/>
-            <a:ext cx="10321046" cy="3785652"/>
+            <a:off x="964660" y="2385172"/>
+            <a:ext cx="10321046" cy="830997"/>
           </a:xfrm>
           <a:prstGeom prst="rect">
             <a:avLst/>
@@ -15451,159 +15350,444 @@
           <a:lstStyle/>
           <a:p>
             <a:r>
-              <a:rPr lang="en-CA" sz="2400"/>
-              <a:t>You can perform Boolean evaluations</a:t>
-            </a:r>
-            <a:r>
-              <a:rPr lang="en-CA" sz="2400">
-                <a:solidFill>
-                  <a:schemeClr val="accent6">
-                    <a:lumMod val="75000"/>
-                  </a:schemeClr>
-                </a:solidFill>
-              </a:rPr>
-              <a:t> </a:t>
-            </a:r>
-            <a:r>
-              <a:rPr lang="en-CA" sz="2400"/>
-              <a:t>with the following relational operators:</a:t>
-            </a:r>
-            <a:endParaRPr lang="en-CA" sz="2400" dirty="0"/>
-          </a:p>
-          <a:p>
-            <a:endParaRPr lang="en-CA" sz="2400"/>
-          </a:p>
-          <a:p>
-            <a:r>
-              <a:rPr lang="en-CA" sz="2400">
-                <a:solidFill>
-                  <a:schemeClr val="accent6">
-                    <a:lumMod val="75000"/>
-                  </a:schemeClr>
-                </a:solidFill>
-              </a:rPr>
-              <a:t>==</a:t>
-            </a:r>
-            <a:r>
-              <a:rPr lang="en-CA" sz="2400"/>
-              <a:t> </a:t>
-            </a:r>
-            <a:r>
-              <a:rPr lang="en-CA" sz="2400">
-                <a:sym typeface="Wingdings" panose="05000000000000000000" pitchFamily="2" charset="2"/>
-              </a:rPr>
-              <a:t> equal</a:t>
-            </a:r>
-          </a:p>
-          <a:p>
-            <a:r>
-              <a:rPr lang="en-CA" sz="2400">
-                <a:solidFill>
-                  <a:schemeClr val="accent6">
-                    <a:lumMod val="75000"/>
-                  </a:schemeClr>
-                </a:solidFill>
-                <a:sym typeface="Wingdings" panose="05000000000000000000" pitchFamily="2" charset="2"/>
-              </a:rPr>
-              <a:t>!= or &lt;&gt;</a:t>
-            </a:r>
-            <a:r>
-              <a:rPr lang="en-CA" sz="2400">
-                <a:sym typeface="Wingdings" panose="05000000000000000000" pitchFamily="2" charset="2"/>
-              </a:rPr>
-              <a:t>  not equal</a:t>
-            </a:r>
-            <a:endParaRPr lang="en-CA" sz="2400"/>
-          </a:p>
-          <a:p>
-            <a:r>
-              <a:rPr lang="en-CA" sz="2400">
-                <a:solidFill>
-                  <a:schemeClr val="accent6">
-                    <a:lumMod val="75000"/>
-                  </a:schemeClr>
-                </a:solidFill>
-              </a:rPr>
-              <a:t>&gt;</a:t>
-            </a:r>
-            <a:r>
-              <a:rPr lang="en-CA" sz="2400"/>
-              <a:t> </a:t>
-            </a:r>
-            <a:r>
-              <a:rPr lang="en-CA" sz="2400">
-                <a:sym typeface="Wingdings" panose="05000000000000000000" pitchFamily="2" charset="2"/>
-              </a:rPr>
-              <a:t> greater than</a:t>
-            </a:r>
-          </a:p>
-          <a:p>
-            <a:r>
-              <a:rPr lang="en-CA" sz="2400">
-                <a:solidFill>
-                  <a:schemeClr val="accent6">
-                    <a:lumMod val="75000"/>
-                  </a:schemeClr>
-                </a:solidFill>
-                <a:sym typeface="Wingdings" panose="05000000000000000000" pitchFamily="2" charset="2"/>
-              </a:rPr>
-              <a:t>&gt;=</a:t>
-            </a:r>
-            <a:r>
-              <a:rPr lang="en-CA" sz="2400">
-                <a:sym typeface="Wingdings" panose="05000000000000000000" pitchFamily="2" charset="2"/>
-              </a:rPr>
-              <a:t> greater than or equal to</a:t>
-            </a:r>
-          </a:p>
-          <a:p>
-            <a:r>
-              <a:rPr lang="en-CA" sz="2400">
-                <a:solidFill>
-                  <a:schemeClr val="accent6">
-                    <a:lumMod val="75000"/>
-                  </a:schemeClr>
-                </a:solidFill>
-                <a:sym typeface="Wingdings" panose="05000000000000000000" pitchFamily="2" charset="2"/>
-              </a:rPr>
-              <a:t>&lt;</a:t>
-            </a:r>
-            <a:r>
-              <a:rPr lang="en-CA" sz="2400">
-                <a:sym typeface="Wingdings" panose="05000000000000000000" pitchFamily="2" charset="2"/>
-              </a:rPr>
-              <a:t>  less than</a:t>
-            </a:r>
-          </a:p>
-          <a:p>
-            <a:r>
-              <a:rPr lang="en-CA" sz="2400">
-                <a:solidFill>
-                  <a:schemeClr val="accent6">
-                    <a:lumMod val="75000"/>
-                  </a:schemeClr>
-                </a:solidFill>
-                <a:sym typeface="Wingdings" panose="05000000000000000000" pitchFamily="2" charset="2"/>
-              </a:rPr>
-              <a:t>&lt;=</a:t>
-            </a:r>
-            <a:r>
-              <a:rPr lang="en-CA" sz="2400">
-                <a:sym typeface="Wingdings" panose="05000000000000000000" pitchFamily="2" charset="2"/>
-              </a:rPr>
-              <a:t>  less than or equal to</a:t>
-            </a:r>
-            <a:endParaRPr lang="en-CA" sz="2400"/>
-          </a:p>
-          <a:p>
-            <a:endParaRPr lang="en-CA" sz="2400" dirty="0"/>
+              <a:rPr lang="en-CA" sz="2400" dirty="0"/>
+              <a:t>If statements will execute different sets of code based on specific conditions.  Here are 4 ways to use them:</a:t>
+            </a:r>
+          </a:p>
+        </p:txBody>
+      </p:sp>
+      <p:sp>
+        <p:nvSpPr>
+          <p:cNvPr id="5" name="TextBox 4">
+            <a:extLst>
+              <a:ext uri="{FF2B5EF4-FFF2-40B4-BE49-F238E27FC236}">
+                <a16:creationId xmlns:a16="http://schemas.microsoft.com/office/drawing/2014/main" id="{EEA2EF7D-2D44-40CA-887C-B0D25BF2ED14}"/>
+              </a:ext>
+            </a:extLst>
+          </p:cNvPr>
+          <p:cNvSpPr txBox="1"/>
+          <p:nvPr/>
+        </p:nvSpPr>
+        <p:spPr>
+          <a:xfrm>
+            <a:off x="1184137" y="3428778"/>
+            <a:ext cx="2761033" cy="1015663"/>
+          </a:xfrm>
+          <a:prstGeom prst="rect">
+            <a:avLst/>
+          </a:prstGeom>
+          <a:solidFill>
+            <a:schemeClr val="bg2"/>
+          </a:solidFill>
+        </p:spPr>
+        <p:txBody>
+          <a:bodyPr wrap="square" rtlCol="0">
+            <a:spAutoFit/>
+          </a:bodyPr>
+          <a:lstStyle/>
+          <a:p>
+            <a:r>
+              <a:rPr lang="en-CA" sz="1200" dirty="0"/>
+              <a:t>if(</a:t>
+            </a:r>
+            <a:r>
+              <a:rPr lang="en-CA" sz="1200" dirty="0" err="1"/>
+              <a:t>some_integer</a:t>
+            </a:r>
+            <a:r>
+              <a:rPr lang="en-CA" sz="1200" dirty="0"/>
+              <a:t> &gt;= 9)</a:t>
+            </a:r>
+          </a:p>
+          <a:p>
+            <a:r>
+              <a:rPr lang="en-CA" sz="1200" dirty="0"/>
+              <a:t>{</a:t>
+            </a:r>
+          </a:p>
+          <a:p>
+            <a:r>
+              <a:rPr lang="en-CA" sz="1200" dirty="0"/>
+              <a:t>  </a:t>
+            </a:r>
+            <a:r>
+              <a:rPr lang="en-CA" sz="1200"/>
+              <a:t>alert("Hello!");</a:t>
+            </a:r>
+            <a:endParaRPr lang="en-CA" sz="1200" dirty="0"/>
+          </a:p>
+          <a:p>
+            <a:r>
+              <a:rPr lang="en-CA" sz="1200" dirty="0"/>
+              <a:t>}</a:t>
+            </a:r>
+          </a:p>
+          <a:p>
+            <a:r>
+              <a:rPr lang="en-CA" sz="1200" dirty="0"/>
+              <a:t>// … run other code</a:t>
+            </a:r>
+          </a:p>
+        </p:txBody>
+      </p:sp>
+      <p:sp>
+        <p:nvSpPr>
+          <p:cNvPr id="6" name="TextBox 5">
+            <a:extLst>
+              <a:ext uri="{FF2B5EF4-FFF2-40B4-BE49-F238E27FC236}">
+                <a16:creationId xmlns:a16="http://schemas.microsoft.com/office/drawing/2014/main" id="{DE797519-51FE-44AC-8196-F0CFECE06A45}"/>
+              </a:ext>
+            </a:extLst>
+          </p:cNvPr>
+          <p:cNvSpPr txBox="1"/>
+          <p:nvPr/>
+        </p:nvSpPr>
+        <p:spPr>
+          <a:xfrm>
+            <a:off x="1184136" y="4675495"/>
+            <a:ext cx="2761033" cy="1754326"/>
+          </a:xfrm>
+          <a:prstGeom prst="rect">
+            <a:avLst/>
+          </a:prstGeom>
+          <a:solidFill>
+            <a:schemeClr val="bg2"/>
+          </a:solidFill>
+        </p:spPr>
+        <p:txBody>
+          <a:bodyPr wrap="square" rtlCol="0">
+            <a:spAutoFit/>
+          </a:bodyPr>
+          <a:lstStyle/>
+          <a:p>
+            <a:r>
+              <a:rPr lang="en-CA" sz="1200" dirty="0"/>
+              <a:t>if(</a:t>
+            </a:r>
+            <a:r>
+              <a:rPr lang="en-CA" sz="1200" dirty="0" err="1"/>
+              <a:t>some_integer</a:t>
+            </a:r>
+            <a:r>
+              <a:rPr lang="en-CA" sz="1200" dirty="0"/>
+              <a:t> &gt;= 9)</a:t>
+            </a:r>
+          </a:p>
+          <a:p>
+            <a:r>
+              <a:rPr lang="en-CA" sz="1200" dirty="0"/>
+              <a:t>{</a:t>
+            </a:r>
+          </a:p>
+          <a:p>
+            <a:r>
+              <a:rPr lang="en-CA" sz="1200" dirty="0"/>
+              <a:t>  </a:t>
+            </a:r>
+            <a:r>
+              <a:rPr lang="en-CA" sz="1200"/>
+              <a:t>alert("Hello!");</a:t>
+            </a:r>
+            <a:endParaRPr lang="en-CA" sz="1200" dirty="0"/>
+          </a:p>
+          <a:p>
+            <a:r>
+              <a:rPr lang="en-CA" sz="1200" dirty="0"/>
+              <a:t>}</a:t>
+            </a:r>
+          </a:p>
+          <a:p>
+            <a:r>
+              <a:rPr lang="en-CA" sz="1200" dirty="0"/>
+              <a:t>else</a:t>
+            </a:r>
+          </a:p>
+          <a:p>
+            <a:r>
+              <a:rPr lang="en-CA" sz="1200" dirty="0"/>
+              <a:t>{</a:t>
+            </a:r>
+          </a:p>
+          <a:p>
+            <a:r>
+              <a:rPr lang="en-CA" sz="1200" dirty="0"/>
+              <a:t>  </a:t>
+            </a:r>
+            <a:r>
+              <a:rPr lang="en-CA" sz="1200"/>
+              <a:t>alert("World!");</a:t>
+            </a:r>
+            <a:endParaRPr lang="en-CA" sz="1200" dirty="0"/>
+          </a:p>
+          <a:p>
+            <a:r>
+              <a:rPr lang="en-CA" sz="1200" dirty="0"/>
+              <a:t>}</a:t>
+            </a:r>
+          </a:p>
+          <a:p>
+            <a:r>
+              <a:rPr lang="en-CA" sz="1200" dirty="0"/>
+              <a:t>// … run other code</a:t>
+            </a:r>
+          </a:p>
+        </p:txBody>
+      </p:sp>
+      <p:sp>
+        <p:nvSpPr>
+          <p:cNvPr id="7" name="TextBox 6">
+            <a:extLst>
+              <a:ext uri="{FF2B5EF4-FFF2-40B4-BE49-F238E27FC236}">
+                <a16:creationId xmlns:a16="http://schemas.microsoft.com/office/drawing/2014/main" id="{852F4E4A-4260-4B13-BD0B-C357CCB6724F}"/>
+              </a:ext>
+            </a:extLst>
+          </p:cNvPr>
+          <p:cNvSpPr txBox="1"/>
+          <p:nvPr/>
+        </p:nvSpPr>
+        <p:spPr>
+          <a:xfrm>
+            <a:off x="7403993" y="3429000"/>
+            <a:ext cx="2761033" cy="2492990"/>
+          </a:xfrm>
+          <a:prstGeom prst="rect">
+            <a:avLst/>
+          </a:prstGeom>
+          <a:solidFill>
+            <a:schemeClr val="bg2"/>
+          </a:solidFill>
+        </p:spPr>
+        <p:txBody>
+          <a:bodyPr wrap="square" rtlCol="0">
+            <a:spAutoFit/>
+          </a:bodyPr>
+          <a:lstStyle/>
+          <a:p>
+            <a:r>
+              <a:rPr lang="en-CA" sz="1200" dirty="0"/>
+              <a:t>if(</a:t>
+            </a:r>
+            <a:r>
+              <a:rPr lang="en-CA" sz="1200" dirty="0" err="1"/>
+              <a:t>some_integer</a:t>
+            </a:r>
+            <a:r>
+              <a:rPr lang="en-CA" sz="1200" dirty="0"/>
+              <a:t> &gt;= 9)</a:t>
+            </a:r>
+          </a:p>
+          <a:p>
+            <a:r>
+              <a:rPr lang="en-CA" sz="1200" dirty="0"/>
+              <a:t>{</a:t>
+            </a:r>
+          </a:p>
+          <a:p>
+            <a:r>
+              <a:rPr lang="en-CA" sz="1200" dirty="0"/>
+              <a:t>  </a:t>
+            </a:r>
+            <a:r>
+              <a:rPr lang="en-CA" sz="1200"/>
+              <a:t>alert("Hello!");</a:t>
+            </a:r>
+            <a:endParaRPr lang="en-CA" sz="1200" dirty="0"/>
+          </a:p>
+          <a:p>
+            <a:r>
+              <a:rPr lang="en-CA" sz="1200" dirty="0"/>
+              <a:t>}</a:t>
+            </a:r>
+          </a:p>
+          <a:p>
+            <a:r>
+              <a:rPr lang="en-CA" sz="1200" dirty="0"/>
+              <a:t>else if(</a:t>
+            </a:r>
+            <a:r>
+              <a:rPr lang="en-CA" sz="1200" dirty="0" err="1"/>
+              <a:t>some_integer</a:t>
+            </a:r>
+            <a:r>
+              <a:rPr lang="en-CA" sz="1200" dirty="0"/>
+              <a:t> &gt;= 5)</a:t>
+            </a:r>
+          </a:p>
+          <a:p>
+            <a:r>
+              <a:rPr lang="en-CA" sz="1200" dirty="0"/>
+              <a:t>{</a:t>
+            </a:r>
+          </a:p>
+          <a:p>
+            <a:r>
+              <a:rPr lang="en-CA" sz="1200" dirty="0"/>
+              <a:t>  </a:t>
+            </a:r>
+            <a:r>
+              <a:rPr lang="en-CA" sz="1200"/>
+              <a:t>alert("World!");</a:t>
+            </a:r>
+            <a:endParaRPr lang="en-CA" sz="1200" dirty="0"/>
+          </a:p>
+          <a:p>
+            <a:r>
+              <a:rPr lang="en-CA" sz="1200" dirty="0"/>
+              <a:t>}</a:t>
+            </a:r>
+          </a:p>
+          <a:p>
+            <a:r>
+              <a:rPr lang="en-CA" sz="1200" dirty="0"/>
+              <a:t>else</a:t>
+            </a:r>
+          </a:p>
+          <a:p>
+            <a:r>
+              <a:rPr lang="en-CA" sz="1200" dirty="0"/>
+              <a:t>{</a:t>
+            </a:r>
+          </a:p>
+          <a:p>
+            <a:r>
+              <a:rPr lang="en-CA" sz="1200" dirty="0"/>
+              <a:t>  </a:t>
+            </a:r>
+            <a:r>
+              <a:rPr lang="en-CA" sz="1200"/>
+              <a:t>alert("Default condition");</a:t>
+            </a:r>
+            <a:endParaRPr lang="en-CA" sz="1200" dirty="0"/>
+          </a:p>
+          <a:p>
+            <a:r>
+              <a:rPr lang="en-CA" sz="1200" dirty="0"/>
+              <a:t>}</a:t>
+            </a:r>
+          </a:p>
+          <a:p>
+            <a:r>
+              <a:rPr lang="en-CA" sz="1200" dirty="0"/>
+              <a:t>// … run other code</a:t>
+            </a:r>
+          </a:p>
+        </p:txBody>
+      </p:sp>
+      <p:sp>
+        <p:nvSpPr>
+          <p:cNvPr id="8" name="TextBox 7">
+            <a:extLst>
+              <a:ext uri="{FF2B5EF4-FFF2-40B4-BE49-F238E27FC236}">
+                <a16:creationId xmlns:a16="http://schemas.microsoft.com/office/drawing/2014/main" id="{15C912E5-739E-431A-9263-0447554FC458}"/>
+              </a:ext>
+            </a:extLst>
+          </p:cNvPr>
+          <p:cNvSpPr txBox="1"/>
+          <p:nvPr/>
+        </p:nvSpPr>
+        <p:spPr>
+          <a:xfrm>
+            <a:off x="4294064" y="3429000"/>
+            <a:ext cx="2761033" cy="1754326"/>
+          </a:xfrm>
+          <a:prstGeom prst="rect">
+            <a:avLst/>
+          </a:prstGeom>
+          <a:solidFill>
+            <a:schemeClr val="bg2"/>
+          </a:solidFill>
+        </p:spPr>
+        <p:txBody>
+          <a:bodyPr wrap="square" rtlCol="0">
+            <a:spAutoFit/>
+          </a:bodyPr>
+          <a:lstStyle/>
+          <a:p>
+            <a:r>
+              <a:rPr lang="en-CA" sz="1200" dirty="0"/>
+              <a:t>if(</a:t>
+            </a:r>
+            <a:r>
+              <a:rPr lang="en-CA" sz="1200" dirty="0" err="1"/>
+              <a:t>some_integer</a:t>
+            </a:r>
+            <a:r>
+              <a:rPr lang="en-CA" sz="1200" dirty="0"/>
+              <a:t> &gt;= 9)</a:t>
+            </a:r>
+          </a:p>
+          <a:p>
+            <a:r>
+              <a:rPr lang="en-CA" sz="1200" dirty="0"/>
+              <a:t>{</a:t>
+            </a:r>
+          </a:p>
+          <a:p>
+            <a:r>
+              <a:rPr lang="en-CA" sz="1200" dirty="0"/>
+              <a:t>  </a:t>
+            </a:r>
+            <a:r>
+              <a:rPr lang="en-CA" sz="1200"/>
+              <a:t>alert("Hello!");</a:t>
+            </a:r>
+            <a:endParaRPr lang="en-CA" sz="1200" dirty="0"/>
+          </a:p>
+          <a:p>
+            <a:r>
+              <a:rPr lang="en-CA" sz="1200" dirty="0"/>
+              <a:t>}</a:t>
+            </a:r>
+          </a:p>
+          <a:p>
+            <a:r>
+              <a:rPr lang="en-CA" sz="1200" dirty="0"/>
+              <a:t>else if(</a:t>
+            </a:r>
+            <a:r>
+              <a:rPr lang="en-CA" sz="1200" dirty="0" err="1"/>
+              <a:t>some_integer</a:t>
+            </a:r>
+            <a:r>
+              <a:rPr lang="en-CA" sz="1200" dirty="0"/>
+              <a:t> &gt;= 5)</a:t>
+            </a:r>
+          </a:p>
+          <a:p>
+            <a:r>
+              <a:rPr lang="en-CA" sz="1200" dirty="0"/>
+              <a:t>{</a:t>
+            </a:r>
+          </a:p>
+          <a:p>
+            <a:r>
+              <a:rPr lang="en-CA" sz="1200" dirty="0"/>
+              <a:t>  </a:t>
+            </a:r>
+            <a:r>
+              <a:rPr lang="en-CA" sz="1200"/>
+              <a:t>alert("World!");</a:t>
+            </a:r>
+            <a:endParaRPr lang="en-CA" sz="1200" dirty="0"/>
+          </a:p>
+          <a:p>
+            <a:r>
+              <a:rPr lang="en-CA" sz="1200" dirty="0"/>
+              <a:t>}</a:t>
+            </a:r>
+          </a:p>
+          <a:p>
+            <a:r>
+              <a:rPr lang="en-CA" sz="1200" dirty="0"/>
+              <a:t>// … run other code</a:t>
+            </a:r>
           </a:p>
         </p:txBody>
       </p:sp>
     </p:spTree>
     <p:extLst>
       <p:ext uri="{BB962C8B-B14F-4D97-AF65-F5344CB8AC3E}">
-        <p14:creationId xmlns:p14="http://schemas.microsoft.com/office/powerpoint/2010/main" val="594562854"/>
+        <p14:creationId xmlns:p14="http://schemas.microsoft.com/office/powerpoint/2010/main" val="3836053484"/>
       </p:ext>
     </p:extLst>
   </p:cSld>
@@ -15652,9 +15836,10 @@
           <a:lstStyle/>
           <a:p>
             <a:r>
-              <a:rPr lang="en-CA" dirty="0"/>
-              <a:t>Loops</a:t>
-            </a:r>
+              <a:rPr lang="en-CA"/>
+              <a:t>Relational Operators</a:t>
+            </a:r>
+            <a:endParaRPr lang="en-CA" dirty="0"/>
           </a:p>
         </p:txBody>
       </p:sp>
@@ -15672,8 +15857,8 @@
         </p:nvSpPr>
         <p:spPr>
           <a:xfrm>
-            <a:off x="964660" y="2385172"/>
-            <a:ext cx="10321046" cy="830997"/>
+            <a:off x="924129" y="2720418"/>
+            <a:ext cx="10321046" cy="3785652"/>
           </a:xfrm>
           <a:prstGeom prst="rect">
             <a:avLst/>
@@ -15687,370 +15872,159 @@
           <a:lstStyle/>
           <a:p>
             <a:r>
-              <a:rPr lang="en-CA" sz="2400" dirty="0"/>
-              <a:t>Loops give developers a way to repeat a sets of code.  The two popular loops are </a:t>
-            </a:r>
-            <a:r>
-              <a:rPr lang="en-CA" sz="2400" dirty="0">
+              <a:rPr lang="en-CA" sz="2400"/>
+              <a:t>You can perform Boolean evaluations</a:t>
+            </a:r>
+            <a:r>
+              <a:rPr lang="en-CA" sz="2400">
                 <a:solidFill>
                   <a:schemeClr val="accent6">
                     <a:lumMod val="75000"/>
                   </a:schemeClr>
                 </a:solidFill>
               </a:rPr>
-              <a:t>while loops </a:t>
-            </a:r>
-            <a:r>
-              <a:rPr lang="en-CA" sz="2400" dirty="0"/>
-              <a:t>and </a:t>
-            </a:r>
-            <a:r>
-              <a:rPr lang="en-CA" sz="2400" dirty="0">
+              <a:t> </a:t>
+            </a:r>
+            <a:r>
+              <a:rPr lang="en-CA" sz="2400"/>
+              <a:t>with the following relational operators:</a:t>
+            </a:r>
+            <a:endParaRPr lang="en-CA" sz="2400" dirty="0"/>
+          </a:p>
+          <a:p>
+            <a:endParaRPr lang="en-CA" sz="2400"/>
+          </a:p>
+          <a:p>
+            <a:r>
+              <a:rPr lang="en-CA" sz="2400">
                 <a:solidFill>
                   <a:schemeClr val="accent6">
                     <a:lumMod val="75000"/>
                   </a:schemeClr>
                 </a:solidFill>
               </a:rPr>
-              <a:t>for loops</a:t>
-            </a:r>
-            <a:r>
-              <a:rPr lang="en-CA" sz="2400" dirty="0"/>
-              <a:t>.</a:t>
-            </a:r>
-          </a:p>
-        </p:txBody>
-      </p:sp>
-      <p:sp>
-        <p:nvSpPr>
-          <p:cNvPr id="5" name="TextBox 4">
-            <a:extLst>
-              <a:ext uri="{FF2B5EF4-FFF2-40B4-BE49-F238E27FC236}">
-                <a16:creationId xmlns:a16="http://schemas.microsoft.com/office/drawing/2014/main" id="{EEA2EF7D-2D44-40CA-887C-B0D25BF2ED14}"/>
-              </a:ext>
-            </a:extLst>
-          </p:cNvPr>
-          <p:cNvSpPr txBox="1"/>
-          <p:nvPr/>
-        </p:nvSpPr>
-        <p:spPr>
-          <a:xfrm>
-            <a:off x="964660" y="4061075"/>
-            <a:ext cx="4681643" cy="2308324"/>
-          </a:xfrm>
-          <a:prstGeom prst="rect">
-            <a:avLst/>
-          </a:prstGeom>
-          <a:solidFill>
-            <a:schemeClr val="bg2"/>
-          </a:solidFill>
-        </p:spPr>
-        <p:txBody>
-          <a:bodyPr wrap="square" rtlCol="0">
-            <a:spAutoFit/>
-          </a:bodyPr>
-          <a:lstStyle/>
-          <a:p>
-            <a:r>
-              <a:rPr lang="en-CA" sz="1600" dirty="0"/>
-              <a:t>var arr1 = [</a:t>
-            </a:r>
-            <a:r>
-              <a:rPr lang="en-CA" sz="1600"/>
-              <a:t>34,43.23,"Hello World",</a:t>
-            </a:r>
-            <a:r>
-              <a:rPr lang="en-CA" sz="1600" dirty="0" err="1"/>
-              <a:t>false</a:t>
-            </a:r>
-            <a:r>
-              <a:rPr lang="en-CA" sz="1600" dirty="0"/>
-              <a:t>];</a:t>
-            </a:r>
-          </a:p>
-          <a:p>
-            <a:r>
-              <a:rPr lang="en-CA" sz="1600" dirty="0"/>
-              <a:t>var </a:t>
-            </a:r>
-            <a:r>
-              <a:rPr lang="en-CA" sz="1600" dirty="0" err="1"/>
-              <a:t>cnt</a:t>
-            </a:r>
-            <a:r>
-              <a:rPr lang="en-CA" sz="1600" dirty="0"/>
-              <a:t> = 0;</a:t>
-            </a:r>
-          </a:p>
-          <a:p>
-            <a:endParaRPr lang="en-CA" sz="1600" dirty="0"/>
-          </a:p>
-          <a:p>
-            <a:r>
-              <a:rPr lang="en-CA" sz="1600" b="1" dirty="0"/>
-              <a:t>while</a:t>
-            </a:r>
-            <a:r>
-              <a:rPr lang="en-CA" sz="1600" dirty="0"/>
-              <a:t>(</a:t>
-            </a:r>
-            <a:r>
-              <a:rPr lang="en-CA" sz="1600" dirty="0" err="1"/>
-              <a:t>cnt</a:t>
-            </a:r>
-            <a:r>
-              <a:rPr lang="en-CA" sz="1600" dirty="0"/>
-              <a:t>&lt;arr1.length)</a:t>
-            </a:r>
-          </a:p>
-          <a:p>
-            <a:r>
-              <a:rPr lang="en-CA" sz="1600" dirty="0"/>
-              <a:t>{</a:t>
-            </a:r>
-          </a:p>
-          <a:p>
-            <a:r>
-              <a:rPr lang="en-CA" sz="1600" dirty="0"/>
-              <a:t>  console.log(arr1[</a:t>
-            </a:r>
-            <a:r>
-              <a:rPr lang="en-CA" sz="1600" dirty="0" err="1"/>
-              <a:t>cnt</a:t>
-            </a:r>
-            <a:r>
-              <a:rPr lang="en-CA" sz="1600" dirty="0"/>
-              <a:t>]);</a:t>
-            </a:r>
-          </a:p>
-          <a:p>
-            <a:r>
-              <a:rPr lang="en-CA" sz="1600" dirty="0"/>
-              <a:t>  </a:t>
-            </a:r>
-            <a:r>
-              <a:rPr lang="en-CA" sz="1600" dirty="0" err="1"/>
-              <a:t>cnt</a:t>
-            </a:r>
-            <a:r>
-              <a:rPr lang="en-CA" sz="1600" dirty="0"/>
-              <a:t>=cnt+1;</a:t>
-            </a:r>
-          </a:p>
-          <a:p>
-            <a:r>
-              <a:rPr lang="en-CA" sz="1600" dirty="0"/>
-              <a:t>}</a:t>
-            </a:r>
-          </a:p>
-          <a:p>
-            <a:r>
-              <a:rPr lang="en-CA" sz="1600" dirty="0"/>
-              <a:t>// … run other code</a:t>
-            </a:r>
-          </a:p>
-        </p:txBody>
-      </p:sp>
-      <p:sp>
-        <p:nvSpPr>
-          <p:cNvPr id="9" name="TextBox 8">
-            <a:extLst>
-              <a:ext uri="{FF2B5EF4-FFF2-40B4-BE49-F238E27FC236}">
-                <a16:creationId xmlns:a16="http://schemas.microsoft.com/office/drawing/2014/main" id="{39679FA3-BF82-492E-8DDB-818780CBBD78}"/>
-              </a:ext>
-            </a:extLst>
-          </p:cNvPr>
-          <p:cNvSpPr txBox="1"/>
-          <p:nvPr/>
-        </p:nvSpPr>
-        <p:spPr>
-          <a:xfrm>
-            <a:off x="5983132" y="4061075"/>
-            <a:ext cx="4863208" cy="1815882"/>
-          </a:xfrm>
-          <a:prstGeom prst="rect">
-            <a:avLst/>
-          </a:prstGeom>
-          <a:solidFill>
-            <a:schemeClr val="bg2"/>
-          </a:solidFill>
-        </p:spPr>
-        <p:txBody>
-          <a:bodyPr wrap="square" rtlCol="0">
-            <a:spAutoFit/>
-          </a:bodyPr>
-          <a:lstStyle/>
-          <a:p>
-            <a:r>
-              <a:rPr lang="en-CA" sz="1600" dirty="0"/>
-              <a:t>var arr1 = [</a:t>
-            </a:r>
-            <a:r>
-              <a:rPr lang="en-CA" sz="1600"/>
-              <a:t>34,43.23,"Hello World",</a:t>
-            </a:r>
-            <a:r>
-              <a:rPr lang="en-CA" sz="1600" dirty="0" err="1"/>
-              <a:t>false</a:t>
-            </a:r>
-            <a:r>
-              <a:rPr lang="en-CA" sz="1600" dirty="0"/>
-              <a:t>];</a:t>
-            </a:r>
-          </a:p>
-          <a:p>
-            <a:endParaRPr lang="en-CA" sz="1600" dirty="0"/>
-          </a:p>
-          <a:p>
-            <a:r>
-              <a:rPr lang="en-CA" sz="1600" b="1" dirty="0"/>
-              <a:t>for</a:t>
-            </a:r>
-            <a:r>
-              <a:rPr lang="en-CA" sz="1600" dirty="0"/>
-              <a:t>(var </a:t>
-            </a:r>
-            <a:r>
-              <a:rPr lang="en-CA" sz="1600" dirty="0" err="1"/>
-              <a:t>cnt</a:t>
-            </a:r>
-            <a:r>
-              <a:rPr lang="en-CA" sz="1600" dirty="0"/>
-              <a:t>=0; </a:t>
-            </a:r>
-            <a:r>
-              <a:rPr lang="en-CA" sz="1600" dirty="0" err="1"/>
-              <a:t>cnt</a:t>
-            </a:r>
-            <a:r>
-              <a:rPr lang="en-CA" sz="1600" dirty="0"/>
-              <a:t>&lt;arr1.length; </a:t>
-            </a:r>
-            <a:r>
-              <a:rPr lang="en-CA" sz="1600" dirty="0" err="1"/>
-              <a:t>cnt</a:t>
-            </a:r>
-            <a:r>
-              <a:rPr lang="en-CA" sz="1600" dirty="0"/>
-              <a:t>++)</a:t>
-            </a:r>
-          </a:p>
-          <a:p>
-            <a:r>
-              <a:rPr lang="en-CA" sz="1600" dirty="0"/>
-              <a:t>{</a:t>
-            </a:r>
-          </a:p>
-          <a:p>
-            <a:r>
-              <a:rPr lang="en-CA" sz="1600" dirty="0"/>
-              <a:t>  console.log(arr1[</a:t>
-            </a:r>
-            <a:r>
-              <a:rPr lang="en-CA" sz="1600" dirty="0" err="1"/>
-              <a:t>cnt</a:t>
-            </a:r>
-            <a:r>
-              <a:rPr lang="en-CA" sz="1600" dirty="0"/>
-              <a:t>]);</a:t>
-            </a:r>
-          </a:p>
-          <a:p>
-            <a:r>
-              <a:rPr lang="en-CA" sz="1600" dirty="0"/>
-              <a:t>}</a:t>
-            </a:r>
-          </a:p>
-          <a:p>
-            <a:r>
-              <a:rPr lang="en-CA" sz="1600" dirty="0"/>
-              <a:t>// … run other code</a:t>
-            </a:r>
-          </a:p>
-        </p:txBody>
-      </p:sp>
-      <p:sp>
-        <p:nvSpPr>
-          <p:cNvPr id="10" name="TextBox 9">
-            <a:extLst>
-              <a:ext uri="{FF2B5EF4-FFF2-40B4-BE49-F238E27FC236}">
-                <a16:creationId xmlns:a16="http://schemas.microsoft.com/office/drawing/2014/main" id="{CD91FC31-9E9C-4BDF-A419-A271D67ED66C}"/>
-              </a:ext>
-            </a:extLst>
-          </p:cNvPr>
-          <p:cNvSpPr txBox="1"/>
-          <p:nvPr/>
-        </p:nvSpPr>
-        <p:spPr>
-          <a:xfrm>
-            <a:off x="964660" y="3529067"/>
-            <a:ext cx="2180616" cy="461665"/>
-          </a:xfrm>
-          <a:prstGeom prst="rect">
-            <a:avLst/>
-          </a:prstGeom>
-          <a:noFill/>
-        </p:spPr>
-        <p:txBody>
-          <a:bodyPr wrap="square" rtlCol="0">
-            <a:spAutoFit/>
-          </a:bodyPr>
-          <a:lstStyle/>
-          <a:p>
-            <a:r>
-              <a:rPr lang="en-CA" sz="2400" dirty="0">
+              <a:t>==</a:t>
+            </a:r>
+            <a:r>
+              <a:rPr lang="en-CA" sz="2400"/>
+              <a:t> </a:t>
+            </a:r>
+            <a:r>
+              <a:rPr lang="en-CA" sz="2400">
+                <a:sym typeface="Wingdings" panose="05000000000000000000" pitchFamily="2" charset="2"/>
+              </a:rPr>
+              <a:t> equal</a:t>
+            </a:r>
+          </a:p>
+          <a:p>
+            <a:r>
+              <a:rPr lang="en-CA" sz="2400">
                 <a:solidFill>
-                  <a:srgbClr val="0070C0"/>
+                  <a:schemeClr val="accent6">
+                    <a:lumMod val="75000"/>
+                  </a:schemeClr>
+                </a:solidFill>
+                <a:sym typeface="Wingdings" panose="05000000000000000000" pitchFamily="2" charset="2"/>
+              </a:rPr>
+              <a:t>!= or &lt;&gt;</a:t>
+            </a:r>
+            <a:r>
+              <a:rPr lang="en-CA" sz="2400">
+                <a:sym typeface="Wingdings" panose="05000000000000000000" pitchFamily="2" charset="2"/>
+              </a:rPr>
+              <a:t>  not equal</a:t>
+            </a:r>
+            <a:endParaRPr lang="en-CA" sz="2400"/>
+          </a:p>
+          <a:p>
+            <a:r>
+              <a:rPr lang="en-CA" sz="2400">
+                <a:solidFill>
+                  <a:schemeClr val="accent6">
+                    <a:lumMod val="75000"/>
+                  </a:schemeClr>
                 </a:solidFill>
               </a:rPr>
-              <a:t>While Loop</a:t>
-            </a:r>
-          </a:p>
-        </p:txBody>
-      </p:sp>
-      <p:sp>
-        <p:nvSpPr>
-          <p:cNvPr id="11" name="TextBox 10">
-            <a:extLst>
-              <a:ext uri="{FF2B5EF4-FFF2-40B4-BE49-F238E27FC236}">
-                <a16:creationId xmlns:a16="http://schemas.microsoft.com/office/drawing/2014/main" id="{B20F911A-85A6-4D64-B6D8-AF2B16E93C61}"/>
-              </a:ext>
-            </a:extLst>
-          </p:cNvPr>
-          <p:cNvSpPr txBox="1"/>
-          <p:nvPr/>
-        </p:nvSpPr>
-        <p:spPr>
-          <a:xfrm>
-            <a:off x="5983132" y="3529067"/>
-            <a:ext cx="2180616" cy="461665"/>
-          </a:xfrm>
-          <a:prstGeom prst="rect">
-            <a:avLst/>
-          </a:prstGeom>
-          <a:noFill/>
-        </p:spPr>
-        <p:txBody>
-          <a:bodyPr wrap="square" rtlCol="0">
-            <a:spAutoFit/>
-          </a:bodyPr>
-          <a:lstStyle/>
-          <a:p>
-            <a:r>
-              <a:rPr lang="en-CA" sz="2400" dirty="0">
+              <a:t>&gt;</a:t>
+            </a:r>
+            <a:r>
+              <a:rPr lang="en-CA" sz="2400"/>
+              <a:t> </a:t>
+            </a:r>
+            <a:r>
+              <a:rPr lang="en-CA" sz="2400">
+                <a:sym typeface="Wingdings" panose="05000000000000000000" pitchFamily="2" charset="2"/>
+              </a:rPr>
+              <a:t> greater than</a:t>
+            </a:r>
+          </a:p>
+          <a:p>
+            <a:r>
+              <a:rPr lang="en-CA" sz="2400">
                 <a:solidFill>
-                  <a:srgbClr val="0070C0"/>
+                  <a:schemeClr val="accent6">
+                    <a:lumMod val="75000"/>
+                  </a:schemeClr>
                 </a:solidFill>
+                <a:sym typeface="Wingdings" panose="05000000000000000000" pitchFamily="2" charset="2"/>
               </a:rPr>
-              <a:t>For Loop</a:t>
-            </a:r>
+              <a:t>&gt;=</a:t>
+            </a:r>
+            <a:r>
+              <a:rPr lang="en-CA" sz="2400">
+                <a:sym typeface="Wingdings" panose="05000000000000000000" pitchFamily="2" charset="2"/>
+              </a:rPr>
+              <a:t> greater than or equal to</a:t>
+            </a:r>
+          </a:p>
+          <a:p>
+            <a:r>
+              <a:rPr lang="en-CA" sz="2400">
+                <a:solidFill>
+                  <a:schemeClr val="accent6">
+                    <a:lumMod val="75000"/>
+                  </a:schemeClr>
+                </a:solidFill>
+                <a:sym typeface="Wingdings" panose="05000000000000000000" pitchFamily="2" charset="2"/>
+              </a:rPr>
+              <a:t>&lt;</a:t>
+            </a:r>
+            <a:r>
+              <a:rPr lang="en-CA" sz="2400">
+                <a:sym typeface="Wingdings" panose="05000000000000000000" pitchFamily="2" charset="2"/>
+              </a:rPr>
+              <a:t>  less than</a:t>
+            </a:r>
+          </a:p>
+          <a:p>
+            <a:r>
+              <a:rPr lang="en-CA" sz="2400">
+                <a:solidFill>
+                  <a:schemeClr val="accent6">
+                    <a:lumMod val="75000"/>
+                  </a:schemeClr>
+                </a:solidFill>
+                <a:sym typeface="Wingdings" panose="05000000000000000000" pitchFamily="2" charset="2"/>
+              </a:rPr>
+              <a:t>&lt;=</a:t>
+            </a:r>
+            <a:r>
+              <a:rPr lang="en-CA" sz="2400">
+                <a:sym typeface="Wingdings" panose="05000000000000000000" pitchFamily="2" charset="2"/>
+              </a:rPr>
+              <a:t>  less than or equal to</a:t>
+            </a:r>
+            <a:endParaRPr lang="en-CA" sz="2400"/>
+          </a:p>
+          <a:p>
+            <a:endParaRPr lang="en-CA" sz="2400" dirty="0"/>
           </a:p>
         </p:txBody>
       </p:sp>
     </p:spTree>
     <p:extLst>
       <p:ext uri="{BB962C8B-B14F-4D97-AF65-F5344CB8AC3E}">
-        <p14:creationId xmlns:p14="http://schemas.microsoft.com/office/powerpoint/2010/main" val="3972929639"/>
+        <p14:creationId xmlns:p14="http://schemas.microsoft.com/office/powerpoint/2010/main" val="594562854"/>
       </p:ext>
     </p:extLst>
   </p:cSld>
